--- a/MI5014701 科技研究與論文寫作 Technology Research and Thesis Writing/6. Reference.pptx
+++ b/MI5014701 科技研究與論文寫作 Technology Research and Thesis Writing/6. Reference.pptx
@@ -320,7 +320,7 @@
           <a:p>
             <a:fld id="{54558840-8EC7-4C21-A303-AC6CE2E849D0}" type="datetimeFigureOut">
               <a:rPr lang="zh-TW" altLang="en-US" smtClean="0"/>
-              <a:t>2023/11/16</a:t>
+              <a:t>2023/11/22</a:t>
             </a:fld>
             <a:endParaRPr lang="zh-TW" altLang="en-US"/>
           </a:p>
@@ -485,7 +485,7 @@
           <a:p>
             <a:fld id="{B1C7EAF7-AC0E-4270-8977-86C0333B8B02}" type="datetimeFigureOut">
               <a:rPr lang="zh-TW" altLang="en-US" smtClean="0"/>
-              <a:t>2023/11/16</a:t>
+              <a:t>2023/11/22</a:t>
             </a:fld>
             <a:endParaRPr lang="zh-TW" altLang="en-US"/>
           </a:p>
@@ -4616,7 +4616,7 @@
           <a:p>
             <a:fld id="{516E6824-C136-46B5-BBFD-EF575568A9FB}" type="datetime1">
               <a:rPr lang="zh-TW" altLang="en-US" smtClean="0"/>
-              <a:t>2023/11/16</a:t>
+              <a:t>2023/11/22</a:t>
             </a:fld>
             <a:endParaRPr lang="zh-TW" altLang="en-US"/>
           </a:p>
@@ -4827,7 +4827,7 @@
           <a:p>
             <a:fld id="{769970E0-4BA9-4262-8911-A329729D855E}" type="datetime1">
               <a:rPr lang="zh-TW" altLang="en-US" smtClean="0"/>
-              <a:t>2023/11/16</a:t>
+              <a:t>2023/11/22</a:t>
             </a:fld>
             <a:endParaRPr lang="zh-TW" altLang="en-US"/>
           </a:p>
@@ -5152,7 +5152,7 @@
           <a:p>
             <a:fld id="{BCDE7421-9970-4433-ACD1-9FCA31CDFF8B}" type="datetime1">
               <a:rPr lang="zh-TW" altLang="en-US" smtClean="0"/>
-              <a:t>2023/11/16</a:t>
+              <a:t>2023/11/22</a:t>
             </a:fld>
             <a:endParaRPr lang="zh-TW" altLang="en-US"/>
           </a:p>
@@ -5491,7 +5491,7 @@
           <a:p>
             <a:fld id="{55E15B8B-A799-4F97-8D8E-C184B5D23DA9}" type="datetime1">
               <a:rPr lang="zh-TW" altLang="en-US" smtClean="0"/>
-              <a:t>2023/11/16</a:t>
+              <a:t>2023/11/22</a:t>
             </a:fld>
             <a:endParaRPr lang="zh-TW" altLang="en-US"/>
           </a:p>
@@ -6087,7 +6087,7 @@
           <a:p>
             <a:fld id="{5C4566C9-EA09-4D01-BD02-65B05559E2CE}" type="datetime1">
               <a:rPr lang="zh-TW" altLang="en-US" smtClean="0"/>
-              <a:t>2023/11/16</a:t>
+              <a:t>2023/11/22</a:t>
             </a:fld>
             <a:endParaRPr lang="zh-TW" altLang="en-US"/>
           </a:p>
@@ -6419,7 +6419,7 @@
           <a:p>
             <a:fld id="{FC15B0CE-B5F0-4DBA-896B-BDCC639F0B8E}" type="datetime1">
               <a:rPr lang="zh-TW" altLang="en-US" smtClean="0"/>
-              <a:t>2023/11/16</a:t>
+              <a:t>2023/11/22</a:t>
             </a:fld>
             <a:endParaRPr lang="zh-TW" altLang="en-US"/>
           </a:p>
@@ -6882,7 +6882,7 @@
           <a:p>
             <a:fld id="{B78CDEA7-8E7A-40E3-B1DA-163793030456}" type="datetime1">
               <a:rPr lang="zh-TW" altLang="en-US" smtClean="0"/>
-              <a:t>2023/11/16</a:t>
+              <a:t>2023/11/22</a:t>
             </a:fld>
             <a:endParaRPr lang="zh-TW" altLang="en-US"/>
           </a:p>
@@ -7036,7 +7036,7 @@
           <a:p>
             <a:fld id="{0D3045F4-CDC5-408E-B400-6F8C0E71B1AE}" type="datetime1">
               <a:rPr lang="zh-TW" altLang="en-US" smtClean="0"/>
-              <a:t>2023/11/16</a:t>
+              <a:t>2023/11/22</a:t>
             </a:fld>
             <a:endParaRPr lang="zh-TW" altLang="en-US"/>
           </a:p>
@@ -7165,7 +7165,7 @@
           <a:p>
             <a:fld id="{124C7EE8-E5D9-4E53-AACC-641BC2BCCB4A}" type="datetime1">
               <a:rPr lang="zh-TW" altLang="en-US" smtClean="0"/>
-              <a:t>2023/11/16</a:t>
+              <a:t>2023/11/22</a:t>
             </a:fld>
             <a:endParaRPr lang="zh-TW" altLang="en-US"/>
           </a:p>
@@ -7408,7 +7408,7 @@
           <a:p>
             <a:fld id="{1CF77360-75DB-4198-B251-47AA158C3BAF}" type="datetime1">
               <a:rPr lang="zh-TW" altLang="en-US" smtClean="0"/>
-              <a:t>2023/11/16</a:t>
+              <a:t>2023/11/22</a:t>
             </a:fld>
             <a:endParaRPr lang="zh-TW" altLang="en-US"/>
           </a:p>
@@ -7782,7 +7782,7 @@
           <a:p>
             <a:fld id="{1F29A803-F72C-461B-9989-329D916014AE}" type="datetime1">
               <a:rPr lang="zh-TW" altLang="en-US" smtClean="0"/>
-              <a:t>2023/11/16</a:t>
+              <a:t>2023/11/22</a:t>
             </a:fld>
             <a:endParaRPr lang="zh-TW" altLang="en-US"/>
           </a:p>
@@ -8087,7 +8087,7 @@
           <a:p>
             <a:fld id="{BCDE7421-9970-4433-ACD1-9FCA31CDFF8B}" type="datetime1">
               <a:rPr lang="zh-TW" altLang="en-US" smtClean="0"/>
-              <a:t>2023/11/16</a:t>
+              <a:t>2023/11/22</a:t>
             </a:fld>
             <a:endParaRPr lang="zh-TW" altLang="en-US"/>
           </a:p>
@@ -15058,7 +15058,7 @@
           <a:effectLst/>
           <a:extLst>
             <a:ext uri="{AF507438-7753-43e0-B8FC-AC1667EBCBE1}">
-              <a14:hiddenEffects xmlns:a14="http://schemas.microsoft.com/office/drawing/2010/main" xmlns="">
+              <a14:hiddenEffects xmlns="" xmlns:a14="http://schemas.microsoft.com/office/drawing/2010/main">
                 <a:effectLst>
                   <a:outerShdw dist="35921" dir="2700000" algn="ctr" rotWithShape="0">
                     <a:schemeClr val="bg2"/>
@@ -26464,7 +26464,7 @@
           <a:effectLst/>
           <a:extLst>
             <a:ext uri="{AF507438-7753-43e0-B8FC-AC1667EBCBE1}">
-              <a14:hiddenEffects xmlns:a14="http://schemas.microsoft.com/office/drawing/2010/main" xmlns="">
+              <a14:hiddenEffects xmlns="" xmlns:a14="http://schemas.microsoft.com/office/drawing/2010/main">
                 <a:effectLst>
                   <a:outerShdw dist="35921" dir="2700000" algn="ctr" rotWithShape="0">
                     <a:schemeClr val="bg2"/>
@@ -28177,7 +28177,7 @@
         <a:effectLst/>
         <a:extLst>
           <a:ext uri="{AF507438-7753-43e0-B8FC-AC1667EBCBE1}">
-            <a14:hiddenEffects xmlns:a14="http://schemas.microsoft.com/office/drawing/2010/main" xmlns="">
+            <a14:hiddenEffects xmlns="" xmlns:a14="http://schemas.microsoft.com/office/drawing/2010/main">
               <a:effectLst>
                 <a:outerShdw dist="35921" dir="2700000" algn="ctr" rotWithShape="0">
                   <a:schemeClr val="bg2"/>
@@ -28238,7 +28238,7 @@
         <a:effectLst/>
         <a:extLst>
           <a:ext uri="{AF507438-7753-43e0-B8FC-AC1667EBCBE1}">
-            <a14:hiddenEffects xmlns:a14="http://schemas.microsoft.com/office/drawing/2010/main" xmlns="">
+            <a14:hiddenEffects xmlns="" xmlns:a14="http://schemas.microsoft.com/office/drawing/2010/main">
               <a:effectLst>
                 <a:outerShdw dist="35921" dir="2700000" algn="ctr" rotWithShape="0">
                   <a:schemeClr val="bg2"/>
